--- a/Documentação/ApresentaçãoProjeto.pptx
+++ b/Documentação/ApresentaçãoProjeto.pptx
@@ -23,8 +23,8 @@
     <p:sldId id="297" r:id="rId14"/>
     <p:sldId id="299" r:id="rId15"/>
     <p:sldId id="298" r:id="rId16"/>
-    <p:sldId id="300" r:id="rId17"/>
-    <p:sldId id="302" r:id="rId18"/>
+    <p:sldId id="302" r:id="rId17"/>
+    <p:sldId id="300" r:id="rId18"/>
   </p:sldIdLst>
   <p:sldSz cx="12192000" cy="6858000"/>
   <p:notesSz cx="6858000" cy="9144000"/>
@@ -3227,7 +3227,7 @@
             <a:pPr rtl="0"/>
             <a:fld id="{A8ABF95D-1F0E-4BFC-A9D4-A0151DA1B84D}" type="datetime1">
               <a:rPr lang="pt-BR" noProof="1" smtClean="0"/>
-              <a:t>25/11/2024</a:t>
+              <a:t>26/11/2024</a:t>
             </a:fld>
             <a:endParaRPr lang="pt-BR" noProof="1"/>
           </a:p>
@@ -3397,7 +3397,7 @@
             <a:pPr rtl="0"/>
             <a:fld id="{A0FA736A-C448-4792-808B-6E2555BCDC7E}" type="datetime1">
               <a:rPr lang="pt-BR" noProof="1" dirty="0" smtClean="0"/>
-              <a:t>25/11/2024</a:t>
+              <a:t>26/11/2024</a:t>
             </a:fld>
             <a:endParaRPr lang="pt-BR" noProof="1"/>
           </a:p>
@@ -3951,7 +3951,7 @@
             <a:pPr rtl="0"/>
             <a:fld id="{EDF7AFD5-F05C-4540-B518-77F9DFF545FE}" type="datetime1">
               <a:rPr lang="pt-BR" noProof="1" smtClean="0"/>
-              <a:t>25/11/2024</a:t>
+              <a:t>26/11/2024</a:t>
             </a:fld>
             <a:endParaRPr lang="pt-BR" noProof="1"/>
           </a:p>
@@ -4177,7 +4177,7 @@
             <a:pPr rtl="0"/>
             <a:fld id="{774C4FA5-F0F1-45DE-B189-05AE85FA28FB}" type="datetime1">
               <a:rPr lang="pt-BR" noProof="1" smtClean="0"/>
-              <a:t>25/11/2024</a:t>
+              <a:t>26/11/2024</a:t>
             </a:fld>
             <a:endParaRPr lang="pt-BR" noProof="1"/>
           </a:p>
@@ -4360,7 +4360,7 @@
             <a:pPr rtl="0"/>
             <a:fld id="{EDF7AFD5-F05C-4540-B518-77F9DFF545FE}" type="datetime1">
               <a:rPr lang="pt-BR" noProof="1" smtClean="0"/>
-              <a:t>25/11/2024</a:t>
+              <a:t>26/11/2024</a:t>
             </a:fld>
             <a:endParaRPr lang="pt-BR" noProof="1"/>
           </a:p>
@@ -4535,7 +4535,7 @@
             <a:pPr rtl="0"/>
             <a:fld id="{F1214E04-56A4-46B2-97D3-D7FB11FD0076}" type="datetime1">
               <a:rPr lang="pt-BR" noProof="1" smtClean="0"/>
-              <a:t>25/11/2024</a:t>
+              <a:t>26/11/2024</a:t>
             </a:fld>
             <a:endParaRPr lang="pt-BR" noProof="1"/>
           </a:p>
@@ -4790,7 +4790,7 @@
             <a:pPr rtl="0"/>
             <a:fld id="{89532A55-D0BC-42C7-9DF0-B371D7555B7A}" type="datetime1">
               <a:rPr lang="pt-BR" noProof="1" smtClean="0"/>
-              <a:t>25/11/2024</a:t>
+              <a:t>26/11/2024</a:t>
             </a:fld>
             <a:endParaRPr lang="pt-BR" noProof="1"/>
           </a:p>
@@ -5117,7 +5117,7 @@
             <a:pPr rtl="0"/>
             <a:fld id="{EDF7AFD5-F05C-4540-B518-77F9DFF545FE}" type="datetime1">
               <a:rPr lang="pt-BR" noProof="1" smtClean="0"/>
-              <a:t>25/11/2024</a:t>
+              <a:t>26/11/2024</a:t>
             </a:fld>
             <a:endParaRPr lang="pt-BR" noProof="1"/>
           </a:p>
@@ -5546,7 +5546,7 @@
             <a:pPr rtl="0"/>
             <a:fld id="{EDF7AFD5-F05C-4540-B518-77F9DFF545FE}" type="datetime1">
               <a:rPr lang="pt-BR" noProof="1" smtClean="0"/>
-              <a:t>25/11/2024</a:t>
+              <a:t>26/11/2024</a:t>
             </a:fld>
             <a:endParaRPr lang="pt-BR" noProof="1"/>
           </a:p>
@@ -5669,7 +5669,7 @@
             <a:pPr rtl="0"/>
             <a:fld id="{EDF7AFD5-F05C-4540-B518-77F9DFF545FE}" type="datetime1">
               <a:rPr lang="pt-BR" noProof="1" smtClean="0"/>
-              <a:t>25/11/2024</a:t>
+              <a:t>26/11/2024</a:t>
             </a:fld>
             <a:endParaRPr lang="pt-BR" noProof="1"/>
           </a:p>
@@ -5769,7 +5769,7 @@
             <a:pPr rtl="0"/>
             <a:fld id="{EDF7AFD5-F05C-4540-B518-77F9DFF545FE}" type="datetime1">
               <a:rPr lang="pt-BR" noProof="1" smtClean="0"/>
-              <a:t>25/11/2024</a:t>
+              <a:t>26/11/2024</a:t>
             </a:fld>
             <a:endParaRPr lang="pt-BR" noProof="1"/>
           </a:p>
@@ -6064,7 +6064,7 @@
             <a:pPr rtl="0"/>
             <a:fld id="{96489DB1-9004-4D5D-8174-FB2576F627A2}" type="datetime1">
               <a:rPr lang="pt-BR" noProof="1" smtClean="0"/>
-              <a:t>25/11/2024</a:t>
+              <a:t>26/11/2024</a:t>
             </a:fld>
             <a:endParaRPr lang="pt-BR" noProof="1"/>
           </a:p>
@@ -6339,7 +6339,7 @@
             <a:pPr rtl="0"/>
             <a:fld id="{24A56098-670D-4780-9222-1F3019ACE5D0}" type="datetime1">
               <a:rPr lang="pt-BR" noProof="1" smtClean="0"/>
-              <a:t>25/11/2024</a:t>
+              <a:t>26/11/2024</a:t>
             </a:fld>
             <a:endParaRPr lang="pt-BR" noProof="1"/>
           </a:p>
@@ -6596,7 +6596,7 @@
             <a:pPr rtl="0"/>
             <a:fld id="{EDF7AFD5-F05C-4540-B518-77F9DFF545FE}" type="datetime1">
               <a:rPr lang="pt-BR" noProof="1" smtClean="0"/>
-              <a:t>25/11/2024</a:t>
+              <a:t>26/11/2024</a:t>
             </a:fld>
             <a:endParaRPr lang="pt-BR" noProof="1"/>
           </a:p>
@@ -7204,6 +7204,18 @@
   <p:clrMapOvr>
     <a:masterClrMapping/>
   </p:clrMapOvr>
+  <mc:AlternateContent xmlns:mc="http://schemas.openxmlformats.org/markup-compatibility/2006">
+    <mc:Choice xmlns:p159="http://schemas.microsoft.com/office/powerpoint/2015/09/main" Requires="p159">
+      <p:transition xmlns:p14="http://schemas.microsoft.com/office/powerpoint/2010/main" spd="slow" p14:dur="2000">
+        <p159:morph option="byObject"/>
+      </p:transition>
+    </mc:Choice>
+    <mc:Fallback>
+      <p:transition spd="slow">
+        <p:fade/>
+      </p:transition>
+    </mc:Fallback>
+  </mc:AlternateContent>
 </p:sld>
 </file>
 
@@ -7813,6 +7825,18 @@
   <p:clrMapOvr>
     <a:masterClrMapping/>
   </p:clrMapOvr>
+  <mc:AlternateContent xmlns:mc="http://schemas.openxmlformats.org/markup-compatibility/2006">
+    <mc:Choice xmlns:p14="http://schemas.microsoft.com/office/powerpoint/2010/main" Requires="p14">
+      <p:transition spd="med" p14:dur="700">
+        <p:fade/>
+      </p:transition>
+    </mc:Choice>
+    <mc:Fallback>
+      <p:transition spd="med">
+        <p:fade/>
+      </p:transition>
+    </mc:Fallback>
+  </mc:AlternateContent>
 </p:sld>
 </file>
 
@@ -7923,152 +7947,22 @@
   <p:clrMapOvr>
     <a:masterClrMapping/>
   </p:clrMapOvr>
+  <mc:AlternateContent xmlns:mc="http://schemas.openxmlformats.org/markup-compatibility/2006">
+    <mc:Choice xmlns:p14="http://schemas.microsoft.com/office/powerpoint/2010/main" Requires="p14">
+      <p:transition spd="med" p14:dur="700">
+        <p:fade/>
+      </p:transition>
+    </mc:Choice>
+    <mc:Fallback>
+      <p:transition spd="med">
+        <p:fade/>
+      </p:transition>
+    </mc:Fallback>
+  </mc:AlternateContent>
 </p:sld>
 </file>
 
 <file path=ppt/slides/slide13.xml><?xml version="1.0" encoding="utf-8"?>
-<p:sld xmlns:a="http://schemas.openxmlformats.org/drawingml/2006/main" xmlns:r="http://schemas.openxmlformats.org/officeDocument/2006/relationships" xmlns:p="http://schemas.openxmlformats.org/presentationml/2006/main">
-  <p:cSld>
-    <p:spTree>
-      <p:nvGrpSpPr>
-        <p:cNvPr id="1" name=""/>
-        <p:cNvGrpSpPr/>
-        <p:nvPr/>
-      </p:nvGrpSpPr>
-      <p:grpSpPr>
-        <a:xfrm>
-          <a:off x="0" y="0"/>
-          <a:ext cx="0" cy="0"/>
-          <a:chOff x="0" y="0"/>
-          <a:chExt cx="0" cy="0"/>
-        </a:xfrm>
-      </p:grpSpPr>
-      <p:sp>
-        <p:nvSpPr>
-          <p:cNvPr id="2" name="Título 1">
-            <a:extLst>
-              <a:ext uri="{FF2B5EF4-FFF2-40B4-BE49-F238E27FC236}">
-                <a16:creationId xmlns:a16="http://schemas.microsoft.com/office/drawing/2014/main" id="{2B679F91-2E83-A942-F903-26458A5FF30F}"/>
-              </a:ext>
-            </a:extLst>
-          </p:cNvPr>
-          <p:cNvSpPr>
-            <a:spLocks noGrp="1"/>
-          </p:cNvSpPr>
-          <p:nvPr>
-            <p:ph type="title"/>
-          </p:nvPr>
-        </p:nvSpPr>
-        <p:spPr/>
-        <p:txBody>
-          <a:bodyPr/>
-          <a:lstStyle/>
-          <a:p>
-            <a:r>
-              <a:rPr lang="pt-BR" dirty="0"/>
-              <a:t>Agradecimentos</a:t>
-            </a:r>
-          </a:p>
-        </p:txBody>
-      </p:sp>
-      <p:sp>
-        <p:nvSpPr>
-          <p:cNvPr id="3" name="Espaço Reservado para Conteúdo 2">
-            <a:extLst>
-              <a:ext uri="{FF2B5EF4-FFF2-40B4-BE49-F238E27FC236}">
-                <a16:creationId xmlns:a16="http://schemas.microsoft.com/office/drawing/2014/main" id="{2927770B-CEED-ECC6-5C69-8247CD70B3DB}"/>
-              </a:ext>
-            </a:extLst>
-          </p:cNvPr>
-          <p:cNvSpPr>
-            <a:spLocks noGrp="1"/>
-          </p:cNvSpPr>
-          <p:nvPr>
-            <p:ph idx="1"/>
-          </p:nvPr>
-        </p:nvSpPr>
-        <p:spPr/>
-        <p:txBody>
-          <a:bodyPr/>
-          <a:lstStyle/>
-          <a:p>
-            <a:pPr marL="45720" indent="0" algn="ctr">
-              <a:buNone/>
-            </a:pPr>
-            <a:endParaRPr lang="pt-BR" sz="1800" dirty="0">
-              <a:effectLst/>
-              <a:latin typeface="Arial" panose="020B0604020202020204" pitchFamily="34" charset="0"/>
-              <a:ea typeface="Arial" panose="020B0604020202020204" pitchFamily="34" charset="0"/>
-            </a:endParaRPr>
-          </a:p>
-          <a:p>
-            <a:pPr marL="45720" indent="0">
-              <a:buNone/>
-            </a:pPr>
-            <a:r>
-              <a:rPr lang="pt-BR" sz="1800" b="1" dirty="0">
-                <a:latin typeface="Arial" panose="020B0604020202020204" pitchFamily="34" charset="0"/>
-                <a:ea typeface="Arial" panose="020B0604020202020204" pitchFamily="34" charset="0"/>
-              </a:rPr>
-              <a:t>	</a:t>
-            </a:r>
-            <a:r>
-              <a:rPr lang="pt-BR" sz="1800" dirty="0">
-                <a:effectLst/>
-                <a:latin typeface="Arial" panose="020B0604020202020204" pitchFamily="34" charset="0"/>
-                <a:ea typeface="Arial" panose="020B0604020202020204" pitchFamily="34" charset="0"/>
-              </a:rPr>
-              <a:t>Primeiramente agradeço a Deus por me colocar em uma família tão maravilhosa que sempre me apoiaram, e aos meu pais (Edmilson e Vanessa) que sempre acreditaram em mim e no meu potencial.</a:t>
-            </a:r>
-          </a:p>
-          <a:p>
-            <a:pPr marL="45720" indent="0">
-              <a:buNone/>
-            </a:pPr>
-            <a:r>
-              <a:rPr lang="pt-BR" sz="1800" dirty="0">
-                <a:effectLst/>
-                <a:latin typeface="Arial" panose="020B0604020202020204" pitchFamily="34" charset="0"/>
-                <a:ea typeface="Arial" panose="020B0604020202020204" pitchFamily="34" charset="0"/>
-              </a:rPr>
-              <a:t>	</a:t>
-            </a:r>
-          </a:p>
-          <a:p>
-            <a:pPr marL="45720" indent="0">
-              <a:buNone/>
-            </a:pPr>
-            <a:r>
-              <a:rPr lang="pt-BR" sz="1800" dirty="0">
-                <a:effectLst/>
-                <a:latin typeface="Arial" panose="020B0604020202020204" pitchFamily="34" charset="0"/>
-                <a:ea typeface="Arial" panose="020B0604020202020204" pitchFamily="34" charset="0"/>
-              </a:rPr>
-              <a:t>	À minha avó (Maria Aparecida) e novamente aos meus pais por sempre me ajudar nessa jornada tão desafiadora e nova que independente das dúvidas sempre me mantiveram com o pé no chão.</a:t>
-            </a:r>
-          </a:p>
-          <a:p>
-            <a:pPr marL="45720" indent="0">
-              <a:buNone/>
-            </a:pPr>
-            <a:endParaRPr lang="pt-BR" dirty="0"/>
-          </a:p>
-        </p:txBody>
-      </p:sp>
-    </p:spTree>
-    <p:extLst>
-      <p:ext uri="{BB962C8B-B14F-4D97-AF65-F5344CB8AC3E}">
-        <p14:creationId xmlns:p14="http://schemas.microsoft.com/office/powerpoint/2010/main" val="940060723"/>
-      </p:ext>
-    </p:extLst>
-  </p:cSld>
-  <p:clrMapOvr>
-    <a:masterClrMapping/>
-  </p:clrMapOvr>
-</p:sld>
-</file>
-
-<file path=ppt/slides/slide14.xml><?xml version="1.0" encoding="utf-8"?>
 <p:sld xmlns:a="http://schemas.openxmlformats.org/drawingml/2006/main" xmlns:r="http://schemas.openxmlformats.org/officeDocument/2006/relationships" xmlns:p="http://schemas.openxmlformats.org/presentationml/2006/main">
   <p:cSld>
     <p:spTree>
@@ -8514,6 +8408,160 @@
 </p:sld>
 </file>
 
+<file path=ppt/slides/slide14.xml><?xml version="1.0" encoding="utf-8"?>
+<p:sld xmlns:a="http://schemas.openxmlformats.org/drawingml/2006/main" xmlns:r="http://schemas.openxmlformats.org/officeDocument/2006/relationships" xmlns:p="http://schemas.openxmlformats.org/presentationml/2006/main">
+  <p:cSld>
+    <p:spTree>
+      <p:nvGrpSpPr>
+        <p:cNvPr id="1" name=""/>
+        <p:cNvGrpSpPr/>
+        <p:nvPr/>
+      </p:nvGrpSpPr>
+      <p:grpSpPr>
+        <a:xfrm>
+          <a:off x="0" y="0"/>
+          <a:ext cx="0" cy="0"/>
+          <a:chOff x="0" y="0"/>
+          <a:chExt cx="0" cy="0"/>
+        </a:xfrm>
+      </p:grpSpPr>
+      <p:sp>
+        <p:nvSpPr>
+          <p:cNvPr id="2" name="Título 1">
+            <a:extLst>
+              <a:ext uri="{FF2B5EF4-FFF2-40B4-BE49-F238E27FC236}">
+                <a16:creationId xmlns:a16="http://schemas.microsoft.com/office/drawing/2014/main" id="{2B679F91-2E83-A942-F903-26458A5FF30F}"/>
+              </a:ext>
+            </a:extLst>
+          </p:cNvPr>
+          <p:cNvSpPr>
+            <a:spLocks noGrp="1"/>
+          </p:cNvSpPr>
+          <p:nvPr>
+            <p:ph type="title"/>
+          </p:nvPr>
+        </p:nvSpPr>
+        <p:spPr/>
+        <p:txBody>
+          <a:bodyPr/>
+          <a:lstStyle/>
+          <a:p>
+            <a:r>
+              <a:rPr lang="pt-BR" dirty="0"/>
+              <a:t>Agradecimentos</a:t>
+            </a:r>
+          </a:p>
+        </p:txBody>
+      </p:sp>
+      <p:sp>
+        <p:nvSpPr>
+          <p:cNvPr id="3" name="Espaço Reservado para Conteúdo 2">
+            <a:extLst>
+              <a:ext uri="{FF2B5EF4-FFF2-40B4-BE49-F238E27FC236}">
+                <a16:creationId xmlns:a16="http://schemas.microsoft.com/office/drawing/2014/main" id="{2927770B-CEED-ECC6-5C69-8247CD70B3DB}"/>
+              </a:ext>
+            </a:extLst>
+          </p:cNvPr>
+          <p:cNvSpPr>
+            <a:spLocks noGrp="1"/>
+          </p:cNvSpPr>
+          <p:nvPr>
+            <p:ph idx="1"/>
+          </p:nvPr>
+        </p:nvSpPr>
+        <p:spPr/>
+        <p:txBody>
+          <a:bodyPr/>
+          <a:lstStyle/>
+          <a:p>
+            <a:pPr marL="45720" indent="0" algn="ctr">
+              <a:buNone/>
+            </a:pPr>
+            <a:endParaRPr lang="pt-BR" sz="1800" dirty="0">
+              <a:effectLst/>
+              <a:latin typeface="Arial" panose="020B0604020202020204" pitchFamily="34" charset="0"/>
+              <a:ea typeface="Arial" panose="020B0604020202020204" pitchFamily="34" charset="0"/>
+            </a:endParaRPr>
+          </a:p>
+          <a:p>
+            <a:pPr marL="45720" indent="0">
+              <a:buNone/>
+            </a:pPr>
+            <a:r>
+              <a:rPr lang="pt-BR" sz="1800" b="1" dirty="0">
+                <a:latin typeface="Arial" panose="020B0604020202020204" pitchFamily="34" charset="0"/>
+                <a:ea typeface="Arial" panose="020B0604020202020204" pitchFamily="34" charset="0"/>
+              </a:rPr>
+              <a:t>	</a:t>
+            </a:r>
+            <a:r>
+              <a:rPr lang="pt-BR" sz="1800" dirty="0">
+                <a:effectLst/>
+                <a:latin typeface="Arial" panose="020B0604020202020204" pitchFamily="34" charset="0"/>
+                <a:ea typeface="Arial" panose="020B0604020202020204" pitchFamily="34" charset="0"/>
+              </a:rPr>
+              <a:t>Primeiramente agradeço a Deus por me colocar em uma família tão maravilhosa que sempre me apoiaram, e aos meu pais (Edmilson e Vanessa) que sempre acreditaram em mim e no meu potencial.</a:t>
+            </a:r>
+          </a:p>
+          <a:p>
+            <a:pPr marL="45720" indent="0">
+              <a:buNone/>
+            </a:pPr>
+            <a:r>
+              <a:rPr lang="pt-BR" sz="1800" dirty="0">
+                <a:effectLst/>
+                <a:latin typeface="Arial" panose="020B0604020202020204" pitchFamily="34" charset="0"/>
+                <a:ea typeface="Arial" panose="020B0604020202020204" pitchFamily="34" charset="0"/>
+              </a:rPr>
+              <a:t>	</a:t>
+            </a:r>
+          </a:p>
+          <a:p>
+            <a:pPr marL="45720" indent="0">
+              <a:buNone/>
+            </a:pPr>
+            <a:r>
+              <a:rPr lang="pt-BR" sz="1800" dirty="0">
+                <a:effectLst/>
+                <a:latin typeface="Arial" panose="020B0604020202020204" pitchFamily="34" charset="0"/>
+                <a:ea typeface="Arial" panose="020B0604020202020204" pitchFamily="34" charset="0"/>
+              </a:rPr>
+              <a:t>	À minha avó (Maria Aparecida) e novamente aos meus pais por sempre me ajudar nessa jornada tão desafiadora e nova que independente das dúvidas sempre me mantiveram com o pé no chão.</a:t>
+            </a:r>
+          </a:p>
+          <a:p>
+            <a:pPr marL="45720" indent="0">
+              <a:buNone/>
+            </a:pPr>
+            <a:endParaRPr lang="pt-BR" dirty="0"/>
+          </a:p>
+        </p:txBody>
+      </p:sp>
+    </p:spTree>
+    <p:extLst>
+      <p:ext uri="{BB962C8B-B14F-4D97-AF65-F5344CB8AC3E}">
+        <p14:creationId xmlns:p14="http://schemas.microsoft.com/office/powerpoint/2010/main" val="940060723"/>
+      </p:ext>
+    </p:extLst>
+  </p:cSld>
+  <p:clrMapOvr>
+    <a:masterClrMapping/>
+  </p:clrMapOvr>
+  <mc:AlternateContent xmlns:mc="http://schemas.openxmlformats.org/markup-compatibility/2006">
+    <mc:Choice xmlns:p159="http://schemas.microsoft.com/office/powerpoint/2015/09/main" Requires="p159">
+      <p:transition xmlns:p14="http://schemas.microsoft.com/office/powerpoint/2010/main" spd="slow" p14:dur="2000">
+        <p159:morph option="byObject"/>
+      </p:transition>
+    </mc:Choice>
+    <mc:Fallback>
+      <p:transition spd="slow">
+        <p:fade/>
+      </p:transition>
+    </mc:Fallback>
+  </mc:AlternateContent>
+</p:sld>
+</file>
+
 <file path=ppt/slides/slide2.xml><?xml version="1.0" encoding="utf-8"?>
 <p:sld xmlns:a="http://schemas.openxmlformats.org/drawingml/2006/main" xmlns:r="http://schemas.openxmlformats.org/officeDocument/2006/relationships" xmlns:p="http://schemas.openxmlformats.org/presentationml/2006/main">
   <p:cSld>
@@ -9192,6 +9240,18 @@
   <p:clrMapOvr>
     <a:masterClrMapping/>
   </p:clrMapOvr>
+  <mc:AlternateContent xmlns:mc="http://schemas.openxmlformats.org/markup-compatibility/2006">
+    <mc:Choice xmlns:p14="http://schemas.microsoft.com/office/powerpoint/2010/main" Requires="p14">
+      <p:transition spd="slow" p14:dur="2000">
+        <p14:prism isContent="1"/>
+      </p:transition>
+    </mc:Choice>
+    <mc:Fallback>
+      <p:transition spd="slow">
+        <p:fade/>
+      </p:transition>
+    </mc:Fallback>
+  </mc:AlternateContent>
 </p:sld>
 </file>
 
@@ -9463,6 +9523,9 @@
   <p:clrMapOvr>
     <a:masterClrMapping/>
   </p:clrMapOvr>
+  <p:transition spd="med">
+    <p:pull/>
+  </p:transition>
 </p:sld>
 </file>
 
@@ -9637,6 +9700,9 @@
   <p:clrMapOvr>
     <a:masterClrMapping/>
   </p:clrMapOvr>
+  <p:transition spd="med">
+    <p:pull/>
+  </p:transition>
 </p:sld>
 </file>
 
@@ -9741,6 +9807,18 @@
   <p:clrMapOvr>
     <a:masterClrMapping/>
   </p:clrMapOvr>
+  <mc:AlternateContent xmlns:mc="http://schemas.openxmlformats.org/markup-compatibility/2006">
+    <mc:Choice xmlns:p14="http://schemas.microsoft.com/office/powerpoint/2010/main" Requires="p14">
+      <p:transition spd="med" p14:dur="700">
+        <p:fade/>
+      </p:transition>
+    </mc:Choice>
+    <mc:Fallback>
+      <p:transition spd="med">
+        <p:fade/>
+      </p:transition>
+    </mc:Fallback>
+  </mc:AlternateContent>
 </p:sld>
 </file>
 
@@ -9991,6 +10069,18 @@
   <p:clrMapOvr>
     <a:masterClrMapping/>
   </p:clrMapOvr>
+  <mc:AlternateContent xmlns:mc="http://schemas.openxmlformats.org/markup-compatibility/2006">
+    <mc:Choice xmlns:p14="http://schemas.microsoft.com/office/powerpoint/2010/main" Requires="p14">
+      <p:transition spd="med" p14:dur="700">
+        <p:fade/>
+      </p:transition>
+    </mc:Choice>
+    <mc:Fallback>
+      <p:transition spd="med">
+        <p:fade/>
+      </p:transition>
+    </mc:Fallback>
+  </mc:AlternateContent>
 </p:sld>
 </file>
 
@@ -10212,6 +10302,18 @@
   <p:clrMapOvr>
     <a:masterClrMapping/>
   </p:clrMapOvr>
+  <mc:AlternateContent xmlns:mc="http://schemas.openxmlformats.org/markup-compatibility/2006">
+    <mc:Choice xmlns:p14="http://schemas.microsoft.com/office/powerpoint/2010/main" Requires="p14">
+      <p:transition spd="med" p14:dur="700">
+        <p:fade/>
+      </p:transition>
+    </mc:Choice>
+    <mc:Fallback>
+      <p:transition spd="med">
+        <p:fade/>
+      </p:transition>
+    </mc:Fallback>
+  </mc:AlternateContent>
 </p:sld>
 </file>
 
@@ -10593,6 +10695,9 @@
   <p:clrMapOvr>
     <a:masterClrMapping/>
   </p:clrMapOvr>
+  <p:transition spd="med">
+    <p:pull/>
+  </p:transition>
 </p:sld>
 </file>
 
@@ -11118,6 +11223,18 @@
   <p:clrMapOvr>
     <a:masterClrMapping/>
   </p:clrMapOvr>
+  <mc:AlternateContent xmlns:mc="http://schemas.openxmlformats.org/markup-compatibility/2006">
+    <mc:Choice xmlns:p14="http://schemas.microsoft.com/office/powerpoint/2010/main" Requires="p14">
+      <p:transition spd="med" p14:dur="700">
+        <p:fade/>
+      </p:transition>
+    </mc:Choice>
+    <mc:Fallback>
+      <p:transition spd="med">
+        <p:fade/>
+      </p:transition>
+    </mc:Fallback>
+  </mc:AlternateContent>
 </p:sld>
 </file>
 
@@ -11915,23 +12032,6 @@
 </file>
 
 <file path=customXml/item1.xml><?xml version="1.0" encoding="utf-8"?>
-<?mso-contentType ?>
-<FormTemplates xmlns="http://schemas.microsoft.com/sharepoint/v3/contenttype/forms">
-  <Display>DocumentLibraryForm</Display>
-  <Edit>DocumentLibraryForm</Edit>
-  <New>DocumentLibraryForm</New>
-</FormTemplates>
-</file>
-
-<file path=customXml/item2.xml><?xml version="1.0" encoding="utf-8"?>
-<p:properties xmlns:p="http://schemas.microsoft.com/office/2006/metadata/properties" xmlns:xsi="http://www.w3.org/2001/XMLSchema-instance" xmlns:pc="http://schemas.microsoft.com/office/infopath/2007/PartnerControls">
-  <documentManagement>
-    <MediaServiceKeyPoints xmlns="71af3243-3dd4-4a8d-8c0d-dd76da1f02a5" xsi:nil="true"/>
-  </documentManagement>
-</p:properties>
-</file>
-
-<file path=customXml/item3.xml><?xml version="1.0" encoding="utf-8"?>
 <ct:contentTypeSchema xmlns:ct="http://schemas.microsoft.com/office/2006/metadata/contentType" xmlns:ma="http://schemas.microsoft.com/office/2006/metadata/properties/metaAttributes" ct:_="" ma:_="" ma:contentTypeName="Document" ma:contentTypeID="0x01010079F111ED35F8CC479449609E8A0923A6" ma:contentTypeVersion="11" ma:contentTypeDescription="Create a new document." ma:contentTypeScope="" ma:versionID="9677210f24a1be23c92c90fd886aa0aa">
   <xsd:schema xmlns:xsd="http://www.w3.org/2001/XMLSchema" xmlns:xs="http://www.w3.org/2001/XMLSchema" xmlns:p="http://schemas.microsoft.com/office/2006/metadata/properties" xmlns:ns2="71af3243-3dd4-4a8d-8c0d-dd76da1f02a5" xmlns:ns3="16c05727-aa75-4e4a-9b5f-8a80a1165891" targetNamespace="http://schemas.microsoft.com/office/2006/metadata/properties" ma:root="true" ma:fieldsID="60e05723c5c1908df1a1a4ebf11d344e" ns2:_="" ns3:_="">
     <xsd:import namespace="71af3243-3dd4-4a8d-8c0d-dd76da1f02a5"/>
@@ -12142,25 +12242,24 @@
 </ct:contentTypeSchema>
 </file>
 
-<file path=customXml/itemProps1.xml><?xml version="1.0" encoding="utf-8"?>
-<ds:datastoreItem xmlns:ds="http://schemas.openxmlformats.org/officeDocument/2006/customXml" ds:itemID="{8A451F4C-A3A1-4FF3-AEA5-AE3EFF175B02}">
-  <ds:schemaRefs>
-    <ds:schemaRef ds:uri="http://schemas.microsoft.com/sharepoint/v3/contenttype/forms"/>
-  </ds:schemaRefs>
-</ds:datastoreItem>
+<file path=customXml/item2.xml><?xml version="1.0" encoding="utf-8"?>
+<p:properties xmlns:p="http://schemas.microsoft.com/office/2006/metadata/properties" xmlns:xsi="http://www.w3.org/2001/XMLSchema-instance" xmlns:pc="http://schemas.microsoft.com/office/infopath/2007/PartnerControls">
+  <documentManagement>
+    <MediaServiceKeyPoints xmlns="71af3243-3dd4-4a8d-8c0d-dd76da1f02a5" xsi:nil="true"/>
+  </documentManagement>
+</p:properties>
 </file>
 
-<file path=customXml/itemProps2.xml><?xml version="1.0" encoding="utf-8"?>
-<ds:datastoreItem xmlns:ds="http://schemas.openxmlformats.org/officeDocument/2006/customXml" ds:itemID="{48775A23-75CA-4614-9647-C9B2CE742CA2}">
-  <ds:schemaRefs>
-    <ds:schemaRef ds:uri="http://schemas.microsoft.com/office/2006/metadata/properties"/>
-    <ds:schemaRef ds:uri="http://schemas.microsoft.com/office/infopath/2007/PartnerControls"/>
-    <ds:schemaRef ds:uri="71af3243-3dd4-4a8d-8c0d-dd76da1f02a5"/>
-  </ds:schemaRefs>
-</ds:datastoreItem>
+<file path=customXml/item3.xml><?xml version="1.0" encoding="utf-8"?>
+<?mso-contentType ?>
+<FormTemplates xmlns="http://schemas.microsoft.com/sharepoint/v3/contenttype/forms">
+  <Display>DocumentLibraryForm</Display>
+  <Edit>DocumentLibraryForm</Edit>
+  <New>DocumentLibraryForm</New>
+</FormTemplates>
 </file>
 
-<file path=customXml/itemProps3.xml><?xml version="1.0" encoding="utf-8"?>
+<file path=customXml/itemProps1.xml><?xml version="1.0" encoding="utf-8"?>
 <ds:datastoreItem xmlns:ds="http://schemas.openxmlformats.org/officeDocument/2006/customXml" ds:itemID="{F009F5EF-575C-40E7-A9C5-EC1F2A554864}">
   <ds:schemaRefs>
     <ds:schemaRef ds:uri="http://schemas.microsoft.com/office/2006/metadata/contentType"/>
@@ -12177,4 +12276,22 @@
     <ds:schemaRef ds:uri="http://schemas.microsoft.com/internal/obd"/>
   </ds:schemaRefs>
 </ds:datastoreItem>
+</file>
+
+<file path=customXml/itemProps2.xml><?xml version="1.0" encoding="utf-8"?>
+<ds:datastoreItem xmlns:ds="http://schemas.openxmlformats.org/officeDocument/2006/customXml" ds:itemID="{48775A23-75CA-4614-9647-C9B2CE742CA2}">
+  <ds:schemaRefs>
+    <ds:schemaRef ds:uri="http://schemas.microsoft.com/office/2006/metadata/properties"/>
+    <ds:schemaRef ds:uri="http://schemas.microsoft.com/office/infopath/2007/PartnerControls"/>
+    <ds:schemaRef ds:uri="71af3243-3dd4-4a8d-8c0d-dd76da1f02a5"/>
+  </ds:schemaRefs>
+</ds:datastoreItem>
+</file>
+
+<file path=customXml/itemProps3.xml><?xml version="1.0" encoding="utf-8"?>
+<ds:datastoreItem xmlns:ds="http://schemas.openxmlformats.org/officeDocument/2006/customXml" ds:itemID="{8A451F4C-A3A1-4FF3-AEA5-AE3EFF175B02}">
+  <ds:schemaRefs>
+    <ds:schemaRef ds:uri="http://schemas.microsoft.com/sharepoint/v3/contenttype/forms"/>
+  </ds:schemaRefs>
+</ds:datastoreItem>
 </file>